--- a/Presentation.pptx
+++ b/Presentation.pptx
@@ -6,7 +6,7 @@
     <p:sldMasterId id="2147483698" r:id="rId2"/>
   </p:sldMasterIdLst>
   <p:notesMasterIdLst>
-    <p:notesMasterId r:id="rId16"/>
+    <p:notesMasterId r:id="rId17"/>
   </p:notesMasterIdLst>
   <p:sldIdLst>
     <p:sldId id="256" r:id="rId3"/>
@@ -22,14 +22,15 @@
     <p:sldId id="271" r:id="rId13"/>
     <p:sldId id="272" r:id="rId14"/>
     <p:sldId id="273" r:id="rId15"/>
+    <p:sldId id="274" r:id="rId16"/>
   </p:sldIdLst>
   <p:sldSz cx="9144000" cy="5143500" type="screen16x9"/>
   <p:notesSz cx="6858000" cy="9144000"/>
   <p:embeddedFontLst>
     <p:embeddedFont>
       <p:font typeface="Catamaran" panose="020B0604020202020204" charset="0"/>
-      <p:regular r:id="rId17"/>
-      <p:bold r:id="rId18"/>
+      <p:regular r:id="rId18"/>
+      <p:bold r:id="rId19"/>
     </p:embeddedFont>
   </p:embeddedFontLst>
   <p:defaultTextStyle>
@@ -279,6 +280,7 @@
             <p14:sldId id="271"/>
             <p14:sldId id="272"/>
             <p14:sldId id="273"/>
+            <p14:sldId id="274"/>
           </p14:sldIdLst>
         </p14:section>
         <p14:section name="Untitled Section" id="{CE08371C-22CA-499D-A3BB-7DD52FD90481}">
@@ -1337,6 +1339,133 @@
     <p:extLst>
       <p:ext uri="{BB962C8B-B14F-4D97-AF65-F5344CB8AC3E}">
         <p14:creationId xmlns:p14="http://schemas.microsoft.com/office/powerpoint/2010/main" val="1561401319"/>
+      </p:ext>
+    </p:extLst>
+  </p:cSld>
+  <p:clrMapOvr>
+    <a:masterClrMapping/>
+  </p:clrMapOvr>
+</p:notes>
+</file>
+
+<file path=ppt/notesSlides/notesSlide14.xml><?xml version="1.0" encoding="utf-8"?>
+<p:notes xmlns:a="http://schemas.openxmlformats.org/drawingml/2006/main" xmlns:r="http://schemas.openxmlformats.org/officeDocument/2006/relationships" xmlns:p="http://schemas.openxmlformats.org/presentationml/2006/main" showMasterSp="0" showMasterPhAnim="0">
+  <p:cSld>
+    <p:spTree>
+      <p:nvGrpSpPr>
+        <p:cNvPr id="1" name="Shape 264">
+          <a:extLst>
+            <a:ext uri="{FF2B5EF4-FFF2-40B4-BE49-F238E27FC236}">
+              <a16:creationId xmlns:a16="http://schemas.microsoft.com/office/drawing/2014/main" id="{60D8958C-1347-E94D-D903-6418123C8989}"/>
+            </a:ext>
+          </a:extLst>
+        </p:cNvPr>
+        <p:cNvGrpSpPr/>
+        <p:nvPr/>
+      </p:nvGrpSpPr>
+      <p:grpSpPr>
+        <a:xfrm>
+          <a:off x="0" y="0"/>
+          <a:ext cx="0" cy="0"/>
+          <a:chOff x="0" y="0"/>
+          <a:chExt cx="0" cy="0"/>
+        </a:xfrm>
+      </p:grpSpPr>
+      <p:sp>
+        <p:nvSpPr>
+          <p:cNvPr id="265" name="Google Shape;265;p3:notes">
+            <a:extLst>
+              <a:ext uri="{FF2B5EF4-FFF2-40B4-BE49-F238E27FC236}">
+                <a16:creationId xmlns:a16="http://schemas.microsoft.com/office/drawing/2014/main" id="{59F69A7A-A7DE-CDD4-031D-979A865219D5}"/>
+              </a:ext>
+            </a:extLst>
+          </p:cNvPr>
+          <p:cNvSpPr txBox="1">
+            <a:spLocks noGrp="1"/>
+          </p:cNvSpPr>
+          <p:nvPr>
+            <p:ph type="body" idx="1"/>
+          </p:nvPr>
+        </p:nvSpPr>
+        <p:spPr>
+          <a:xfrm>
+            <a:off x="685800" y="4343400"/>
+            <a:ext cx="5486400" cy="4114800"/>
+          </a:xfrm>
+          <a:prstGeom prst="rect">
+            <a:avLst/>
+          </a:prstGeom>
+        </p:spPr>
+        <p:txBody>
+          <a:bodyPr spcFirstLastPara="1" wrap="square" lIns="91425" tIns="91425" rIns="91425" bIns="91425" anchor="t" anchorCtr="0">
+            <a:noAutofit/>
+          </a:bodyPr>
+          <a:lstStyle/>
+          <a:p>
+            <a:pPr marL="0" lvl="0" indent="0" algn="l" rtl="0">
+              <a:spcBef>
+                <a:spcPts val="0"/>
+              </a:spcBef>
+              <a:spcAft>
+                <a:spcPts val="0"/>
+              </a:spcAft>
+              <a:buNone/>
+            </a:pPr>
+            <a:endParaRPr dirty="0"/>
+          </a:p>
+        </p:txBody>
+      </p:sp>
+      <p:sp>
+        <p:nvSpPr>
+          <p:cNvPr id="266" name="Google Shape;266;p3:notes">
+            <a:extLst>
+              <a:ext uri="{FF2B5EF4-FFF2-40B4-BE49-F238E27FC236}">
+                <a16:creationId xmlns:a16="http://schemas.microsoft.com/office/drawing/2014/main" id="{3C6D3D9E-65F4-AA6F-E3CB-DAF7C58E92B4}"/>
+              </a:ext>
+            </a:extLst>
+          </p:cNvPr>
+          <p:cNvSpPr>
+            <a:spLocks noGrp="1" noRot="1" noChangeAspect="1"/>
+          </p:cNvSpPr>
+          <p:nvPr>
+            <p:ph type="sldImg" idx="2"/>
+          </p:nvPr>
+        </p:nvSpPr>
+        <p:spPr>
+          <a:xfrm>
+            <a:off x="381000" y="685800"/>
+            <a:ext cx="6096000" cy="3429000"/>
+          </a:xfrm>
+          <a:custGeom>
+            <a:avLst/>
+            <a:gdLst/>
+            <a:ahLst/>
+            <a:cxnLst/>
+            <a:rect l="l" t="t" r="r" b="b"/>
+            <a:pathLst>
+              <a:path w="120000" h="120000" extrusionOk="0">
+                <a:moveTo>
+                  <a:pt x="0" y="0"/>
+                </a:moveTo>
+                <a:lnTo>
+                  <a:pt x="120000" y="0"/>
+                </a:lnTo>
+                <a:lnTo>
+                  <a:pt x="120000" y="120000"/>
+                </a:lnTo>
+                <a:lnTo>
+                  <a:pt x="0" y="120000"/>
+                </a:lnTo>
+                <a:close/>
+              </a:path>
+            </a:pathLst>
+          </a:custGeom>
+        </p:spPr>
+      </p:sp>
+    </p:spTree>
+    <p:extLst>
+      <p:ext uri="{BB962C8B-B14F-4D97-AF65-F5344CB8AC3E}">
+        <p14:creationId xmlns:p14="http://schemas.microsoft.com/office/powerpoint/2010/main" val="3102100092"/>
       </p:ext>
     </p:extLst>
   </p:cSld>
@@ -17419,7 +17548,7 @@
         </p:nvSpPr>
         <p:spPr>
           <a:xfrm>
-            <a:off x="727560" y="861840"/>
+            <a:off x="727740" y="861840"/>
             <a:ext cx="7688520" cy="534960"/>
           </a:xfrm>
           <a:prstGeom prst="rect">
@@ -17479,7 +17608,7 @@
                 <a:cs typeface="Catamaran"/>
                 <a:sym typeface="Catamaran"/>
               </a:rPr>
-              <a:t>Projection</a:t>
+              <a:t>Dumb</a:t>
             </a:r>
             <a:r>
               <a:rPr lang="it-IT" sz="2000" b="1" dirty="0">
@@ -17490,7 +17619,7 @@
                 <a:cs typeface="Catamaran"/>
                 <a:sym typeface="Catamaran"/>
               </a:rPr>
-              <a:t> task</a:t>
+              <a:t> controller</a:t>
             </a:r>
             <a:endParaRPr sz="2000" b="1" i="0" u="none" strike="noStrike" cap="none" dirty="0">
               <a:solidFill>
@@ -17680,8 +17809,8 @@
         </p:nvSpPr>
         <p:spPr>
           <a:xfrm>
-            <a:off x="797169" y="1396800"/>
-            <a:ext cx="6855656" cy="738664"/>
+            <a:off x="727740" y="1326461"/>
+            <a:ext cx="6855656" cy="523220"/>
           </a:xfrm>
           <a:prstGeom prst="rect">
             <a:avLst/>
@@ -17696,25 +17825,49 @@
           <a:p>
             <a:r>
               <a:rPr lang="en-US" dirty="0"/>
-              <a:t>Consider a sequence of actions and want to study whether a fluent holds in the final situation. Define a procedure composed of a sequence of actions followed by a </a:t>
+              <a:t>Room 2 initially dirty: Controller </a:t>
+            </a:r>
+            <a:r>
+              <a:rPr lang="en-US" dirty="0" err="1"/>
+              <a:t>nondeterministicaly</a:t>
+            </a:r>
+            <a:r>
+              <a:rPr lang="en-US" dirty="0"/>
+              <a:t> choosing between </a:t>
             </a:r>
             <a:r>
               <a:rPr lang="en-US" u="sng" dirty="0"/>
-              <a:t>condition test </a:t>
+              <a:t>moving</a:t>
             </a:r>
             <a:r>
               <a:rPr lang="en-US" dirty="0"/>
-              <a:t>over the fluent we want to check.</a:t>
+              <a:t> and </a:t>
+            </a:r>
+            <a:r>
+              <a:rPr lang="en-US" u="sng" dirty="0"/>
+              <a:t>cleaning</a:t>
+            </a:r>
+            <a:r>
+              <a:rPr lang="en-US" dirty="0"/>
+              <a:t> finding a valid sequence of actions resulting in a </a:t>
+            </a:r>
+            <a:r>
+              <a:rPr lang="en-US" u="sng" dirty="0"/>
+              <a:t>clean room2</a:t>
+            </a:r>
+            <a:r>
+              <a:rPr lang="en-US" dirty="0"/>
+              <a:t>. </a:t>
             </a:r>
           </a:p>
         </p:txBody>
       </p:sp>
       <p:pic>
         <p:nvPicPr>
-          <p:cNvPr id="7" name="Picture 6">
+          <p:cNvPr id="3" name="Picture 2">
             <a:extLst>
               <a:ext uri="{FF2B5EF4-FFF2-40B4-BE49-F238E27FC236}">
-                <a16:creationId xmlns:a16="http://schemas.microsoft.com/office/drawing/2014/main" id="{41E167E1-FBE8-20F7-2354-6CB5EC92FEF3}"/>
+                <a16:creationId xmlns:a16="http://schemas.microsoft.com/office/drawing/2014/main" id="{BDE01B94-8C8F-D057-8376-FC873970BC9E}"/>
               </a:ext>
             </a:extLst>
           </p:cNvPr>
@@ -17731,8 +17884,8 @@
         </p:blipFill>
         <p:spPr>
           <a:xfrm>
-            <a:off x="436970" y="2435487"/>
-            <a:ext cx="8270423" cy="331923"/>
+            <a:off x="580454" y="2019782"/>
+            <a:ext cx="7792102" cy="806508"/>
           </a:xfrm>
           <a:prstGeom prst="rect">
             <a:avLst/>
@@ -17741,10 +17894,10 @@
       </p:pic>
       <p:pic>
         <p:nvPicPr>
-          <p:cNvPr id="11" name="Picture 10">
+          <p:cNvPr id="8" name="Picture 7">
             <a:extLst>
               <a:ext uri="{FF2B5EF4-FFF2-40B4-BE49-F238E27FC236}">
-                <a16:creationId xmlns:a16="http://schemas.microsoft.com/office/drawing/2014/main" id="{2D55CF82-ADAD-FF9D-BA64-F9636001ABE5}"/>
+                <a16:creationId xmlns:a16="http://schemas.microsoft.com/office/drawing/2014/main" id="{D0856BB5-B253-5DFF-AF56-81866E890BA1}"/>
               </a:ext>
             </a:extLst>
           </p:cNvPr>
@@ -17761,8 +17914,8 @@
         </p:blipFill>
         <p:spPr>
           <a:xfrm>
-            <a:off x="436970" y="3002698"/>
-            <a:ext cx="3829078" cy="981082"/>
+            <a:off x="580454" y="2926052"/>
+            <a:ext cx="3838603" cy="1628787"/>
           </a:xfrm>
           <a:prstGeom prst="rect">
             <a:avLst/>
@@ -17771,10 +17924,10 @@
       </p:pic>
       <p:sp>
         <p:nvSpPr>
-          <p:cNvPr id="14" name="TextBox 13">
+          <p:cNvPr id="10" name="TextBox 9">
             <a:extLst>
               <a:ext uri="{FF2B5EF4-FFF2-40B4-BE49-F238E27FC236}">
-                <a16:creationId xmlns:a16="http://schemas.microsoft.com/office/drawing/2014/main" id="{18EFBA91-2C04-A8C0-C04B-E77DA1351DC7}"/>
+                <a16:creationId xmlns:a16="http://schemas.microsoft.com/office/drawing/2014/main" id="{B6F0834C-BA8A-3DC1-F252-4453039F5246}"/>
               </a:ext>
             </a:extLst>
           </p:cNvPr>
@@ -17783,8 +17936,8 @@
         </p:nvSpPr>
         <p:spPr>
           <a:xfrm>
-            <a:off x="4847129" y="3220630"/>
-            <a:ext cx="3382471" cy="307777"/>
+            <a:off x="4476505" y="3478835"/>
+            <a:ext cx="4572000" cy="523220"/>
           </a:xfrm>
           <a:prstGeom prst="rect">
             <a:avLst/>
@@ -17792,52 +17945,64 @@
           <a:noFill/>
         </p:spPr>
         <p:txBody>
-          <a:bodyPr wrap="square" rtlCol="0">
+          <a:bodyPr wrap="square">
             <a:spAutoFit/>
           </a:bodyPr>
           <a:lstStyle/>
           <a:p>
             <a:r>
-              <a:rPr lang="it-IT" dirty="0"/>
-              <a:t>COND = </a:t>
-            </a:r>
-            <a:r>
-              <a:rPr lang="it-IT" dirty="0" err="1"/>
-              <a:t>has</a:t>
-            </a:r>
-            <a:r>
-              <a:rPr lang="it-IT" dirty="0"/>
-              <a:t>-trash(robot) </a:t>
-            </a:r>
-            <a:r>
-              <a:rPr lang="it-IT" dirty="0">
-                <a:sym typeface="Wingdings" panose="05000000000000000000" pitchFamily="2" charset="2"/>
-              </a:rPr>
-              <a:t> </a:t>
-            </a:r>
-            <a:r>
-              <a:rPr lang="it-IT" b="1" dirty="0">
+              <a:rPr lang="en-US" dirty="0">
                 <a:solidFill>
                   <a:srgbClr val="00B050"/>
                 </a:solidFill>
-                <a:sym typeface="Wingdings" panose="05000000000000000000" pitchFamily="2" charset="2"/>
               </a:rPr>
-              <a:t>True</a:t>
-            </a:r>
-            <a:endParaRPr lang="en-US" b="1" dirty="0">
-              <a:solidFill>
-                <a:srgbClr val="00B050"/>
-              </a:solidFill>
-            </a:endParaRPr>
+              <a:t>→ PROGRAM: Program has executed to completion!! History done: [move(r1, r2), clean(r2)]</a:t>
+            </a:r>
           </a:p>
         </p:txBody>
       </p:sp>
+    </p:spTree>
+    <p:extLst>
+      <p:ext uri="{BB962C8B-B14F-4D97-AF65-F5344CB8AC3E}">
+        <p14:creationId xmlns:p14="http://schemas.microsoft.com/office/powerpoint/2010/main" val="2174226964"/>
+      </p:ext>
+    </p:extLst>
+  </p:cSld>
+  <p:clrMapOvr>
+    <a:masterClrMapping/>
+  </p:clrMapOvr>
+</p:sld>
+</file>
+
+<file path=ppt/slides/slide14.xml><?xml version="1.0" encoding="utf-8"?>
+<p:sld xmlns:a="http://schemas.openxmlformats.org/drawingml/2006/main" xmlns:r="http://schemas.openxmlformats.org/officeDocument/2006/relationships" xmlns:p="http://schemas.openxmlformats.org/presentationml/2006/main">
+  <p:cSld>
+    <p:spTree>
+      <p:nvGrpSpPr>
+        <p:cNvPr id="1" name="Shape 267">
+          <a:extLst>
+            <a:ext uri="{FF2B5EF4-FFF2-40B4-BE49-F238E27FC236}">
+              <a16:creationId xmlns:a16="http://schemas.microsoft.com/office/drawing/2014/main" id="{CBD58456-F1A7-BA77-56A3-2C02D799F924}"/>
+            </a:ext>
+          </a:extLst>
+        </p:cNvPr>
+        <p:cNvGrpSpPr/>
+        <p:nvPr/>
+      </p:nvGrpSpPr>
+      <p:grpSpPr>
+        <a:xfrm>
+          <a:off x="0" y="0"/>
+          <a:ext cx="0" cy="0"/>
+          <a:chOff x="0" y="0"/>
+          <a:chExt cx="0" cy="0"/>
+        </a:xfrm>
+      </p:grpSpPr>
       <p:sp>
         <p:nvSpPr>
-          <p:cNvPr id="15" name="TextBox 14">
+          <p:cNvPr id="268" name="Google Shape;268;p55">
             <a:extLst>
               <a:ext uri="{FF2B5EF4-FFF2-40B4-BE49-F238E27FC236}">
-                <a16:creationId xmlns:a16="http://schemas.microsoft.com/office/drawing/2014/main" id="{ED8841B9-1D64-775E-37B6-9BD23524ED7A}"/>
+                <a16:creationId xmlns:a16="http://schemas.microsoft.com/office/drawing/2014/main" id="{BE9B1B53-0595-AD90-5A64-CCB0E0800BFC}"/>
               </a:ext>
             </a:extLst>
           </p:cNvPr>
@@ -17846,50 +18011,93 @@
         </p:nvSpPr>
         <p:spPr>
           <a:xfrm>
-            <a:off x="4847123" y="4073613"/>
-            <a:ext cx="3382471" cy="307777"/>
+            <a:off x="2281887" y="1307809"/>
+            <a:ext cx="4120145" cy="534960"/>
           </a:xfrm>
           <a:prstGeom prst="rect">
             <a:avLst/>
           </a:prstGeom>
           <a:noFill/>
+          <a:ln>
+            <a:noFill/>
+          </a:ln>
         </p:spPr>
         <p:txBody>
-          <a:bodyPr wrap="square" rtlCol="0">
-            <a:spAutoFit/>
+          <a:bodyPr spcFirstLastPara="1" wrap="square" lIns="91425" tIns="91425" rIns="91425" bIns="91425" anchor="t" anchorCtr="0">
+            <a:noAutofit/>
           </a:bodyPr>
           <a:lstStyle/>
           <a:p>
-            <a:r>
-              <a:rPr lang="it-IT" dirty="0"/>
-              <a:t>COND = </a:t>
-            </a:r>
-            <a:r>
-              <a:rPr lang="it-IT" dirty="0" err="1"/>
-              <a:t>at</a:t>
-            </a:r>
-            <a:r>
-              <a:rPr lang="it-IT" dirty="0"/>
-              <a:t>(room6) </a:t>
-            </a:r>
-            <a:r>
-              <a:rPr lang="it-IT" dirty="0">
-                <a:sym typeface="Wingdings" panose="05000000000000000000" pitchFamily="2" charset="2"/>
+            <a:pPr marL="0" marR="0" lvl="0" indent="0" algn="l" rtl="0">
+              <a:lnSpc>
+                <a:spcPct val="100000"/>
+              </a:lnSpc>
+              <a:spcBef>
+                <a:spcPts val="0"/>
+              </a:spcBef>
+              <a:spcAft>
+                <a:spcPts val="0"/>
+              </a:spcAft>
+              <a:buNone/>
+            </a:pPr>
+            <a:r>
+              <a:rPr lang="it-IT" sz="2400" b="1" dirty="0">
+                <a:solidFill>
+                  <a:srgbClr val="1A1A1A"/>
+                </a:solidFill>
+                <a:latin typeface="Catamaran"/>
+                <a:cs typeface="Catamaran"/>
+                <a:sym typeface="Catamaran"/>
               </a:rPr>
-              <a:t> </a:t>
-            </a:r>
-            <a:r>
-              <a:rPr lang="it-IT" b="1" dirty="0">
+              <a:t>Thank </a:t>
+            </a:r>
+            <a:r>
+              <a:rPr lang="it-IT" sz="2400" b="1" dirty="0" err="1">
                 <a:solidFill>
-                  <a:srgbClr val="00B050"/>
+                  <a:srgbClr val="1A1A1A"/>
                 </a:solidFill>
-                <a:sym typeface="Wingdings" panose="05000000000000000000" pitchFamily="2" charset="2"/>
+                <a:latin typeface="Catamaran"/>
+                <a:cs typeface="Catamaran"/>
+                <a:sym typeface="Catamaran"/>
               </a:rPr>
-              <a:t>True</a:t>
-            </a:r>
-            <a:endParaRPr lang="en-US" b="1" dirty="0">
+              <a:t>you</a:t>
+            </a:r>
+            <a:r>
+              <a:rPr lang="it-IT" sz="2400" b="1" dirty="0">
+                <a:solidFill>
+                  <a:srgbClr val="1A1A1A"/>
+                </a:solidFill>
+                <a:latin typeface="Catamaran"/>
+                <a:cs typeface="Catamaran"/>
+                <a:sym typeface="Catamaran"/>
+              </a:rPr>
+              <a:t> for the </a:t>
+            </a:r>
+            <a:r>
+              <a:rPr lang="it-IT" sz="2400" b="1" dirty="0" err="1">
+                <a:solidFill>
+                  <a:srgbClr val="1A1A1A"/>
+                </a:solidFill>
+                <a:latin typeface="Catamaran"/>
+                <a:cs typeface="Catamaran"/>
+                <a:sym typeface="Catamaran"/>
+              </a:rPr>
+              <a:t>attention</a:t>
+            </a:r>
+            <a:r>
+              <a:rPr lang="it-IT" sz="2400" b="1" dirty="0">
+                <a:solidFill>
+                  <a:srgbClr val="1A1A1A"/>
+                </a:solidFill>
+                <a:latin typeface="Catamaran"/>
+                <a:cs typeface="Catamaran"/>
+                <a:sym typeface="Catamaran"/>
+              </a:rPr>
+              <a:t> !</a:t>
+            </a:r>
+            <a:endParaRPr sz="2400" b="1" i="0" u="none" strike="noStrike" cap="none" dirty="0">
               <a:solidFill>
-                <a:srgbClr val="00B050"/>
+                <a:srgbClr val="000000"/>
               </a:solidFill>
             </a:endParaRPr>
           </a:p>
@@ -17897,10 +18105,10 @@
       </p:sp>
       <p:sp>
         <p:nvSpPr>
-          <p:cNvPr id="16" name="TextBox 15">
+          <p:cNvPr id="270" name="Google Shape;270;p55">
             <a:extLst>
               <a:ext uri="{FF2B5EF4-FFF2-40B4-BE49-F238E27FC236}">
-                <a16:creationId xmlns:a16="http://schemas.microsoft.com/office/drawing/2014/main" id="{1CF6BAE4-B1EC-3345-20ED-B90B78964780}"/>
+                <a16:creationId xmlns:a16="http://schemas.microsoft.com/office/drawing/2014/main" id="{5DF70C3C-5041-AE74-8FEF-BD5BCD61CBD0}"/>
               </a:ext>
             </a:extLst>
           </p:cNvPr>
@@ -17909,61 +18117,62 @@
         </p:nvSpPr>
         <p:spPr>
           <a:xfrm>
-            <a:off x="4847126" y="3511568"/>
-            <a:ext cx="3382471" cy="307777"/>
+            <a:off x="8536320" y="4749840"/>
+            <a:ext cx="548280" cy="393120"/>
           </a:xfrm>
           <a:prstGeom prst="rect">
             <a:avLst/>
           </a:prstGeom>
           <a:noFill/>
+          <a:ln>
+            <a:noFill/>
+          </a:ln>
         </p:spPr>
         <p:txBody>
-          <a:bodyPr wrap="square" rtlCol="0">
-            <a:spAutoFit/>
+          <a:bodyPr spcFirstLastPara="1" wrap="square" lIns="91425" tIns="91425" rIns="91425" bIns="91425" anchor="ctr" anchorCtr="0">
+            <a:noAutofit/>
           </a:bodyPr>
           <a:lstStyle/>
           <a:p>
-            <a:r>
-              <a:rPr lang="it-IT" dirty="0"/>
-              <a:t>COND = trash-</a:t>
-            </a:r>
-            <a:r>
-              <a:rPr lang="it-IT" dirty="0" err="1"/>
-              <a:t>at</a:t>
-            </a:r>
-            <a:r>
-              <a:rPr lang="it-IT" dirty="0"/>
-              <a:t>(room6) </a:t>
-            </a:r>
-            <a:r>
-              <a:rPr lang="it-IT" dirty="0">
-                <a:sym typeface="Wingdings" panose="05000000000000000000" pitchFamily="2" charset="2"/>
+            <a:pPr marL="0" marR="0" lvl="0" indent="0" algn="r" rtl="0">
+              <a:lnSpc>
+                <a:spcPct val="100000"/>
+              </a:lnSpc>
+              <a:spcBef>
+                <a:spcPts val="0"/>
+              </a:spcBef>
+              <a:spcAft>
+                <a:spcPts val="0"/>
+              </a:spcAft>
+              <a:buNone/>
+            </a:pPr>
+            <a:fld id="{00000000-1234-1234-1234-123412341234}" type="slidenum">
+              <a:rPr lang="en-US" sz="1000" b="0" i="0" u="none" strike="noStrike" cap="none">
+                <a:solidFill>
+                  <a:srgbClr val="595959"/>
+                </a:solidFill>
+                <a:latin typeface="Catamaran"/>
+                <a:ea typeface="Catamaran"/>
+                <a:cs typeface="Catamaran"/>
+                <a:sym typeface="Catamaran"/>
               </a:rPr>
-              <a:t> </a:t>
-            </a:r>
-            <a:r>
-              <a:rPr lang="it-IT" b="1" dirty="0">
-                <a:solidFill>
-                  <a:srgbClr val="FF0000"/>
-                </a:solidFill>
-                <a:sym typeface="Wingdings" panose="05000000000000000000" pitchFamily="2" charset="2"/>
-              </a:rPr>
-              <a:t>False</a:t>
-            </a:r>
-            <a:endParaRPr lang="en-US" b="1" dirty="0">
-              <a:solidFill>
-                <a:srgbClr val="FF0000"/>
-              </a:solidFill>
+              <a:t>14</a:t>
+            </a:fld>
+            <a:endParaRPr sz="1000" b="0" i="0" u="none" strike="noStrike" cap="none">
+              <a:latin typeface="Times New Roman"/>
+              <a:ea typeface="Times New Roman"/>
+              <a:cs typeface="Times New Roman"/>
+              <a:sym typeface="Times New Roman"/>
             </a:endParaRPr>
           </a:p>
         </p:txBody>
       </p:sp>
       <p:sp>
         <p:nvSpPr>
-          <p:cNvPr id="17" name="TextBox 16">
+          <p:cNvPr id="6" name="Google Shape;271;p55">
             <a:extLst>
               <a:ext uri="{FF2B5EF4-FFF2-40B4-BE49-F238E27FC236}">
-                <a16:creationId xmlns:a16="http://schemas.microsoft.com/office/drawing/2014/main" id="{B12D4986-9187-8DC3-87B3-32ED8A1BE817}"/>
+                <a16:creationId xmlns:a16="http://schemas.microsoft.com/office/drawing/2014/main" id="{19DBE329-48A9-22BD-B04A-C00E9C69126B}"/>
               </a:ext>
             </a:extLst>
           </p:cNvPr>
@@ -17972,59 +18181,128 @@
         </p:nvSpPr>
         <p:spPr>
           <a:xfrm>
-            <a:off x="4847123" y="3788719"/>
-            <a:ext cx="3382471" cy="307777"/>
+            <a:off x="1414800" y="4779000"/>
+            <a:ext cx="5854320" cy="334800"/>
           </a:xfrm>
           <a:prstGeom prst="rect">
             <a:avLst/>
           </a:prstGeom>
           <a:noFill/>
+          <a:ln>
+            <a:noFill/>
+          </a:ln>
         </p:spPr>
         <p:txBody>
-          <a:bodyPr wrap="square" rtlCol="0">
-            <a:spAutoFit/>
+          <a:bodyPr spcFirstLastPara="1" wrap="square" lIns="91425" tIns="91425" rIns="91425" bIns="91425" anchor="t" anchorCtr="0">
+            <a:noAutofit/>
           </a:bodyPr>
           <a:lstStyle/>
           <a:p>
-            <a:r>
-              <a:rPr lang="it-IT" dirty="0"/>
-              <a:t>COND = </a:t>
-            </a:r>
-            <a:r>
-              <a:rPr lang="it-IT" dirty="0" err="1"/>
-              <a:t>at</a:t>
-            </a:r>
-            <a:r>
-              <a:rPr lang="it-IT" dirty="0"/>
-              <a:t>(room3) </a:t>
-            </a:r>
-            <a:r>
-              <a:rPr lang="it-IT" dirty="0">
-                <a:sym typeface="Wingdings" panose="05000000000000000000" pitchFamily="2" charset="2"/>
+            <a:pPr>
+              <a:lnSpc>
+                <a:spcPct val="115000"/>
+              </a:lnSpc>
+            </a:pPr>
+            <a:r>
+              <a:rPr lang="en-US" sz="900" dirty="0">
+                <a:solidFill>
+                  <a:srgbClr val="1A1A1A"/>
+                </a:solidFill>
+                <a:latin typeface="Catamaran"/>
+                <a:ea typeface="Catamaran"/>
+                <a:cs typeface="Catamaran"/>
+                <a:sym typeface="Catamaran"/>
               </a:rPr>
-              <a:t> </a:t>
-            </a:r>
-            <a:r>
-              <a:rPr lang="it-IT" b="1" dirty="0">
+              <a:t>ROBO-MAID: Keep your house spotless with PDDL and </a:t>
+            </a:r>
+            <a:r>
+              <a:rPr lang="en-US" sz="900" dirty="0" err="1">
                 <a:solidFill>
-                  <a:srgbClr val="FF0000"/>
+                  <a:srgbClr val="1A1A1A"/>
                 </a:solidFill>
-                <a:sym typeface="Wingdings" panose="05000000000000000000" pitchFamily="2" charset="2"/>
+                <a:latin typeface="Catamaran"/>
+                <a:ea typeface="Catamaran"/>
+                <a:cs typeface="Catamaran"/>
+                <a:sym typeface="Catamaran"/>
               </a:rPr>
-              <a:t>False</a:t>
-            </a:r>
-            <a:endParaRPr lang="en-US" b="1" dirty="0">
+              <a:t>IndiGolog</a:t>
+            </a:r>
+            <a:r>
+              <a:rPr lang="en-US" sz="900" dirty="0">
+                <a:solidFill>
+                  <a:srgbClr val="1A1A1A"/>
+                </a:solidFill>
+                <a:latin typeface="Catamaran"/>
+                <a:ea typeface="Catamaran"/>
+                <a:cs typeface="Catamaran"/>
+                <a:sym typeface="Catamaran"/>
+              </a:rPr>
+              <a:t>.</a:t>
+            </a:r>
+          </a:p>
+          <a:p>
+            <a:pPr marL="0" marR="0" lvl="0" indent="0" algn="l" rtl="0">
+              <a:lnSpc>
+                <a:spcPct val="115000"/>
+              </a:lnSpc>
+              <a:spcBef>
+                <a:spcPts val="0"/>
+              </a:spcBef>
+              <a:spcAft>
+                <a:spcPts val="0"/>
+              </a:spcAft>
+              <a:buClr>
+                <a:srgbClr val="000000"/>
+              </a:buClr>
+              <a:buFont typeface="Arial"/>
+              <a:buNone/>
+            </a:pPr>
+            <a:endParaRPr sz="900" dirty="0">
               <a:solidFill>
-                <a:srgbClr val="FF0000"/>
+                <a:srgbClr val="595959"/>
               </a:solidFill>
+              <a:latin typeface="Catamaran"/>
+              <a:ea typeface="Catamaran"/>
+              <a:cs typeface="Catamaran"/>
+              <a:sym typeface="Catamaran"/>
             </a:endParaRPr>
           </a:p>
         </p:txBody>
       </p:sp>
+      <p:pic>
+        <p:nvPicPr>
+          <p:cNvPr id="5" name="Picture 4">
+            <a:extLst>
+              <a:ext uri="{FF2B5EF4-FFF2-40B4-BE49-F238E27FC236}">
+                <a16:creationId xmlns:a16="http://schemas.microsoft.com/office/drawing/2014/main" id="{369F6969-6499-8D01-C178-420EC2C3C233}"/>
+              </a:ext>
+            </a:extLst>
+          </p:cNvPr>
+          <p:cNvPicPr>
+            <a:picLocks noChangeAspect="1"/>
+          </p:cNvPicPr>
+          <p:nvPr/>
+        </p:nvPicPr>
+        <p:blipFill>
+          <a:blip r:embed="rId3"/>
+          <a:stretch>
+            <a:fillRect/>
+          </a:stretch>
+        </p:blipFill>
+        <p:spPr>
+          <a:xfrm>
+            <a:off x="3195051" y="2071107"/>
+            <a:ext cx="2295257" cy="2295257"/>
+          </a:xfrm>
+          <a:prstGeom prst="rect">
+            <a:avLst/>
+          </a:prstGeom>
+        </p:spPr>
+      </p:pic>
     </p:spTree>
     <p:extLst>
       <p:ext uri="{BB962C8B-B14F-4D97-AF65-F5344CB8AC3E}">
-        <p14:creationId xmlns:p14="http://schemas.microsoft.com/office/powerpoint/2010/main" val="2174226964"/>
+        <p14:creationId xmlns:p14="http://schemas.microsoft.com/office/powerpoint/2010/main" val="4164729308"/>
       </p:ext>
     </p:extLst>
   </p:cSld>

--- a/Presentation.pptx
+++ b/Presentation.pptx
@@ -17347,7 +17347,7 @@
             </a:r>
             <a:r>
               <a:rPr lang="it-IT" dirty="0"/>
-              <a:t>(room6) </a:t>
+              <a:t>(room3) </a:t>
             </a:r>
             <a:r>
               <a:rPr lang="it-IT" dirty="0">
@@ -17473,7 +17473,7 @@
             </a:r>
             <a:r>
               <a:rPr lang="it-IT" dirty="0"/>
-              <a:t>(room3) </a:t>
+              <a:t>(room6) </a:t>
             </a:r>
             <a:r>
               <a:rPr lang="it-IT" dirty="0">
